--- a/CE9010 Presentation.pptx
+++ b/CE9010 Presentation.pptx
@@ -10722,22 +10722,13 @@
               <a:buChar char="●"/>
             </a:pPr>
             <a:r>
-              <a:rPr lang="en-SG" sz="1800" dirty="0" err="1">
-                <a:latin typeface="Montserrat" panose="020B0604020202020204" charset="0"/>
-                <a:ea typeface="Arial"/>
-                <a:cs typeface="Arial"/>
-                <a:sym typeface="Arial"/>
-              </a:rPr>
-              <a:t>Pairplots</a:t>
-            </a:r>
-            <a:r>
               <a:rPr lang="en-SG" sz="1800" dirty="0">
                 <a:latin typeface="Montserrat" panose="020B0604020202020204" charset="0"/>
                 <a:ea typeface="Arial"/>
                 <a:cs typeface="Arial"/>
                 <a:sym typeface="Arial"/>
               </a:rPr>
-              <a:t>:</a:t>
+              <a:t>Pair plots / Scatter plots:</a:t>
             </a:r>
           </a:p>
           <a:p>

--- a/CE9010 Presentation.pptx
+++ b/CE9010 Presentation.pptx
@@ -5,7 +5,7 @@
     <p:sldMasterId id="2147483659" r:id="rId1"/>
   </p:sldMasterIdLst>
   <p:notesMasterIdLst>
-    <p:notesMasterId r:id="rId11"/>
+    <p:notesMasterId r:id="rId12"/>
   </p:notesMasterIdLst>
   <p:sldIdLst>
     <p:sldId id="256" r:id="rId2"/>
@@ -14,26 +14,27 @@
     <p:sldId id="259" r:id="rId5"/>
     <p:sldId id="260" r:id="rId6"/>
     <p:sldId id="261" r:id="rId7"/>
-    <p:sldId id="265" r:id="rId8"/>
-    <p:sldId id="266" r:id="rId9"/>
-    <p:sldId id="263" r:id="rId10"/>
+    <p:sldId id="269" r:id="rId8"/>
+    <p:sldId id="267" r:id="rId9"/>
+    <p:sldId id="266" r:id="rId10"/>
+    <p:sldId id="263" r:id="rId11"/>
   </p:sldIdLst>
   <p:sldSz cx="9144000" cy="5143500" type="screen16x9"/>
   <p:notesSz cx="6858000" cy="9144000"/>
   <p:embeddedFontLst>
     <p:embeddedFont>
       <p:font typeface="Montserrat" panose="020B0604020202020204" charset="0"/>
-      <p:regular r:id="rId12"/>
-      <p:bold r:id="rId13"/>
-      <p:italic r:id="rId14"/>
-      <p:boldItalic r:id="rId15"/>
+      <p:regular r:id="rId13"/>
+      <p:bold r:id="rId14"/>
+      <p:italic r:id="rId15"/>
+      <p:boldItalic r:id="rId16"/>
     </p:embeddedFont>
     <p:embeddedFont>
       <p:font typeface="Lato" panose="020B0604020202020204" charset="0"/>
-      <p:regular r:id="rId16"/>
-      <p:bold r:id="rId17"/>
-      <p:italic r:id="rId18"/>
-      <p:boldItalic r:id="rId19"/>
+      <p:regular r:id="rId17"/>
+      <p:bold r:id="rId18"/>
+      <p:italic r:id="rId19"/>
+      <p:boldItalic r:id="rId20"/>
     </p:embeddedFont>
   </p:embeddedFontLst>
   <p:defaultTextStyle>
@@ -265,6 +266,11 @@
       </a:defRPr>
     </a:lvl9pPr>
   </p:defaultTextStyle>
+  <p:extLst>
+    <p:ext uri="{EFAFB233-063F-42B5-8137-9DF3F51BA10A}">
+      <p15:sldGuideLst xmlns:p15="http://schemas.microsoft.com/office/powerpoint/2012/main"/>
+    </p:ext>
+  </p:extLst>
 </p:presentation>
 </file>
 
@@ -1474,7 +1480,7 @@
     </p:spTree>
     <p:extLst>
       <p:ext uri="{BB962C8B-B14F-4D97-AF65-F5344CB8AC3E}">
-        <p14:creationId xmlns:p14="http://schemas.microsoft.com/office/powerpoint/2010/main" val="2958421913"/>
+        <p14:creationId xmlns:p14="http://schemas.microsoft.com/office/powerpoint/2010/main" val="4210937055"/>
       </p:ext>
     </p:extLst>
   </p:cSld>
@@ -9839,6 +9845,143 @@
 </p:sld>
 </file>
 
+<file path=ppt/slides/slide10.xml><?xml version="1.0" encoding="utf-8"?>
+<p:sld xmlns:a="http://schemas.openxmlformats.org/drawingml/2006/main" xmlns:r="http://schemas.openxmlformats.org/officeDocument/2006/relationships" xmlns:p="http://schemas.openxmlformats.org/presentationml/2006/main">
+  <p:cSld>
+    <p:spTree>
+      <p:nvGrpSpPr>
+        <p:cNvPr id="1" name="Shape 184"/>
+        <p:cNvGrpSpPr/>
+        <p:nvPr/>
+      </p:nvGrpSpPr>
+      <p:grpSpPr>
+        <a:xfrm>
+          <a:off x="0" y="0"/>
+          <a:ext cx="0" cy="0"/>
+          <a:chOff x="0" y="0"/>
+          <a:chExt cx="0" cy="0"/>
+        </a:xfrm>
+      </p:grpSpPr>
+      <p:sp>
+        <p:nvSpPr>
+          <p:cNvPr id="185" name="Shape 185"/>
+          <p:cNvSpPr txBox="1">
+            <a:spLocks noGrp="1"/>
+          </p:cNvSpPr>
+          <p:nvPr>
+            <p:ph type="title"/>
+          </p:nvPr>
+        </p:nvSpPr>
+        <p:spPr>
+          <a:xfrm>
+            <a:off x="1024834" y="0"/>
+            <a:ext cx="7584231" cy="914100"/>
+          </a:xfrm>
+          <a:prstGeom prst="rect">
+            <a:avLst/>
+          </a:prstGeom>
+        </p:spPr>
+        <p:txBody>
+          <a:bodyPr spcFirstLastPara="1" wrap="square" lIns="91425" tIns="91425" rIns="91425" bIns="91425" anchor="t" anchorCtr="0">
+            <a:noAutofit/>
+          </a:bodyPr>
+          <a:lstStyle/>
+          <a:p>
+            <a:r>
+              <a:rPr lang="en-GB" b="1" dirty="0">
+                <a:solidFill>
+                  <a:srgbClr val="FFFF00"/>
+                </a:solidFill>
+              </a:rPr>
+              <a:t>Step 7: Report results in Python Notebooks</a:t>
+            </a:r>
+            <a:endParaRPr b="1" dirty="0">
+              <a:solidFill>
+                <a:srgbClr val="FFFF00"/>
+              </a:solidFill>
+            </a:endParaRPr>
+          </a:p>
+        </p:txBody>
+      </p:sp>
+      <p:sp>
+        <p:nvSpPr>
+          <p:cNvPr id="186" name="Shape 186"/>
+          <p:cNvSpPr txBox="1">
+            <a:spLocks noGrp="1"/>
+          </p:cNvSpPr>
+          <p:nvPr>
+            <p:ph type="body" idx="1"/>
+          </p:nvPr>
+        </p:nvSpPr>
+        <p:spPr>
+          <a:xfrm>
+            <a:off x="6500037" y="983167"/>
+            <a:ext cx="2495107" cy="604628"/>
+          </a:xfrm>
+          <a:prstGeom prst="rect">
+            <a:avLst/>
+          </a:prstGeom>
+        </p:spPr>
+        <p:txBody>
+          <a:bodyPr spcFirstLastPara="1" wrap="square" lIns="91425" tIns="91425" rIns="91425" bIns="91425" anchor="t" anchorCtr="0">
+            <a:noAutofit/>
+          </a:bodyPr>
+          <a:lstStyle/>
+          <a:p>
+            <a:pPr marL="0" lvl="0" indent="0">
+              <a:spcAft>
+                <a:spcPts val="1600"/>
+              </a:spcAft>
+              <a:buNone/>
+            </a:pPr>
+            <a:r>
+              <a:rPr lang="en-SG" dirty="0">
+                <a:hlinkClick r:id="rId3"/>
+              </a:rPr>
+              <a:t>https://github.com/ZacOPunky/CE9010_2018</a:t>
+            </a:r>
+            <a:endParaRPr dirty="0"/>
+          </a:p>
+        </p:txBody>
+      </p:sp>
+      <p:pic>
+        <p:nvPicPr>
+          <p:cNvPr id="3" name="Picture 2">
+            <a:extLst>
+              <a:ext uri="{FF2B5EF4-FFF2-40B4-BE49-F238E27FC236}">
+                <a16:creationId xmlns:a16="http://schemas.microsoft.com/office/drawing/2014/main" id="{CD35409F-1999-4430-AC30-15B682E7DB0A}"/>
+              </a:ext>
+            </a:extLst>
+          </p:cNvPr>
+          <p:cNvPicPr>
+            <a:picLocks noChangeAspect="1"/>
+          </p:cNvPicPr>
+          <p:nvPr/>
+        </p:nvPicPr>
+        <p:blipFill>
+          <a:blip r:embed="rId4"/>
+          <a:stretch>
+            <a:fillRect/>
+          </a:stretch>
+        </p:blipFill>
+        <p:spPr>
+          <a:xfrm>
+            <a:off x="83127" y="789559"/>
+            <a:ext cx="6351181" cy="4254600"/>
+          </a:xfrm>
+          <a:prstGeom prst="rect">
+            <a:avLst/>
+          </a:prstGeom>
+        </p:spPr>
+      </p:pic>
+    </p:spTree>
+  </p:cSld>
+  <p:clrMapOvr>
+    <a:masterClrMapping/>
+  </p:clrMapOvr>
+</p:sld>
+</file>
+
 <file path=ppt/slides/slide2.xml><?xml version="1.0" encoding="utf-8"?>
 <p:sld xmlns:a="http://schemas.openxmlformats.org/drawingml/2006/main" xmlns:r="http://schemas.openxmlformats.org/officeDocument/2006/relationships" xmlns:p="http://schemas.openxmlformats.org/presentationml/2006/main">
   <p:cSld>
@@ -10917,75 +11060,6 @@
               <a:buSzPts val="1400"/>
               <a:buChar char="●"/>
             </a:pPr>
-            <a:r>
-              <a:rPr lang="en-GB" sz="1800" dirty="0">
-                <a:solidFill>
-                  <a:srgbClr val="FFFFFF"/>
-                </a:solidFill>
-                <a:latin typeface="Montserrat" panose="020B0604020202020204" charset="0"/>
-              </a:rPr>
-              <a:t>To choose train set and test set:</a:t>
-            </a:r>
-            <a:endParaRPr sz="1800" dirty="0">
-              <a:solidFill>
-                <a:srgbClr val="FFFFFF"/>
-              </a:solidFill>
-              <a:latin typeface="Montserrat" panose="020B0604020202020204" charset="0"/>
-            </a:endParaRPr>
-          </a:p>
-          <a:p>
-            <a:pPr marL="914400" lvl="1" indent="-317500" rtl="0">
-              <a:spcBef>
-                <a:spcPts val="0"/>
-              </a:spcBef>
-              <a:spcAft>
-                <a:spcPts val="0"/>
-              </a:spcAft>
-              <a:buClr>
-                <a:srgbClr val="FFFFFF"/>
-              </a:buClr>
-              <a:buSzPts val="1400"/>
-              <a:buChar char="○"/>
-            </a:pPr>
-            <a:r>
-              <a:rPr lang="en-GB" sz="1800" dirty="0">
-                <a:solidFill>
-                  <a:srgbClr val="FFFFFF"/>
-                </a:solidFill>
-                <a:latin typeface="Montserrat" panose="020B0604020202020204" charset="0"/>
-              </a:rPr>
-              <a:t>Shuffle data</a:t>
-            </a:r>
-            <a:endParaRPr sz="1800" dirty="0">
-              <a:solidFill>
-                <a:srgbClr val="FFFFFF"/>
-              </a:solidFill>
-              <a:latin typeface="Montserrat" panose="020B0604020202020204" charset="0"/>
-            </a:endParaRPr>
-          </a:p>
-          <a:p>
-            <a:pPr marL="914400" lvl="1" indent="-317500">
-              <a:spcBef>
-                <a:spcPts val="0"/>
-              </a:spcBef>
-              <a:spcAft>
-                <a:spcPts val="0"/>
-              </a:spcAft>
-              <a:buClr>
-                <a:srgbClr val="FFFFFF"/>
-              </a:buClr>
-              <a:buSzPts val="1400"/>
-              <a:buChar char="○"/>
-            </a:pPr>
-            <a:r>
-              <a:rPr lang="en-GB" sz="1800" dirty="0">
-                <a:solidFill>
-                  <a:srgbClr val="FFFFFF"/>
-                </a:solidFill>
-                <a:latin typeface="Montserrat" panose="020B0604020202020204" charset="0"/>
-              </a:rPr>
-              <a:t>Split data into train set and test set</a:t>
-            </a:r>
             <a:endParaRPr sz="1800" dirty="0">
               <a:solidFill>
                 <a:srgbClr val="FFFFFF"/>
@@ -11494,7 +11568,7 @@
         </p:blipFill>
         <p:spPr>
           <a:xfrm>
-            <a:off x="1178173" y="627355"/>
+            <a:off x="183824" y="691151"/>
             <a:ext cx="2055628" cy="4168815"/>
           </a:xfrm>
           <a:prstGeom prst="rect">
@@ -11524,7 +11598,7 @@
         </p:blipFill>
         <p:spPr>
           <a:xfrm>
-            <a:off x="4005037" y="1848798"/>
+            <a:off x="2530656" y="1997654"/>
             <a:ext cx="4312943" cy="3070531"/>
           </a:xfrm>
           <a:prstGeom prst="rect">
@@ -11542,6 +11616,725 @@
 
 <file path=ppt/slides/slide7.xml><?xml version="1.0" encoding="utf-8"?>
 <p:sld xmlns:a="http://schemas.openxmlformats.org/drawingml/2006/main" xmlns:r="http://schemas.openxmlformats.org/officeDocument/2006/relationships" xmlns:p="http://schemas.openxmlformats.org/presentationml/2006/main">
+  <p:cSld>
+    <p:spTree>
+      <p:nvGrpSpPr>
+        <p:cNvPr id="1" name=""/>
+        <p:cNvGrpSpPr/>
+        <p:nvPr/>
+      </p:nvGrpSpPr>
+      <p:grpSpPr>
+        <a:xfrm>
+          <a:off x="0" y="0"/>
+          <a:ext cx="0" cy="0"/>
+          <a:chOff x="0" y="0"/>
+          <a:chExt cx="0" cy="0"/>
+        </a:xfrm>
+      </p:grpSpPr>
+      <p:sp>
+        <p:nvSpPr>
+          <p:cNvPr id="2" name="Title 1">
+            <a:extLst>
+              <a:ext uri="{FF2B5EF4-FFF2-40B4-BE49-F238E27FC236}">
+                <a16:creationId xmlns:a16="http://schemas.microsoft.com/office/drawing/2014/main" id="{321D828E-FE6E-4C17-B297-3C9C9B61898E}"/>
+              </a:ext>
+            </a:extLst>
+          </p:cNvPr>
+          <p:cNvSpPr>
+            <a:spLocks noGrp="1"/>
+          </p:cNvSpPr>
+          <p:nvPr>
+            <p:ph type="title"/>
+          </p:nvPr>
+        </p:nvSpPr>
+        <p:spPr>
+          <a:xfrm>
+            <a:off x="1297500" y="157955"/>
+            <a:ext cx="7038900" cy="506795"/>
+          </a:xfrm>
+        </p:spPr>
+        <p:txBody>
+          <a:bodyPr/>
+          <a:lstStyle/>
+          <a:p>
+            <a:r>
+              <a:rPr lang="en-GB" b="1" dirty="0">
+                <a:solidFill>
+                  <a:srgbClr val="FFFF00"/>
+                </a:solidFill>
+              </a:rPr>
+              <a:t>Step 5: Data Analysis</a:t>
+            </a:r>
+            <a:br>
+              <a:rPr lang="en-GB" b="1" dirty="0">
+                <a:solidFill>
+                  <a:srgbClr val="FFFF00"/>
+                </a:solidFill>
+              </a:rPr>
+            </a:br>
+            <a:endParaRPr lang="en-SG" dirty="0"/>
+          </a:p>
+        </p:txBody>
+      </p:sp>
+      <p:sp>
+        <p:nvSpPr>
+          <p:cNvPr id="3" name="Text Placeholder 2">
+            <a:extLst>
+              <a:ext uri="{FF2B5EF4-FFF2-40B4-BE49-F238E27FC236}">
+                <a16:creationId xmlns:a16="http://schemas.microsoft.com/office/drawing/2014/main" id="{5C2BF98F-BB65-4157-8DFB-74EA2E556C1A}"/>
+              </a:ext>
+            </a:extLst>
+          </p:cNvPr>
+          <p:cNvSpPr>
+            <a:spLocks noGrp="1"/>
+          </p:cNvSpPr>
+          <p:nvPr>
+            <p:ph type="body" idx="1"/>
+          </p:nvPr>
+        </p:nvSpPr>
+        <p:spPr>
+          <a:xfrm>
+            <a:off x="62345" y="1392382"/>
+            <a:ext cx="5562600" cy="3671453"/>
+          </a:xfrm>
+        </p:spPr>
+        <p:txBody>
+          <a:bodyPr wrap="square" lIns="0" tIns="0" rIns="0" bIns="0">
+            <a:noAutofit/>
+          </a:bodyPr>
+          <a:lstStyle/>
+          <a:p>
+            <a:pPr marL="285750" indent="-180000">
+              <a:lnSpc>
+                <a:spcPct val="100000"/>
+              </a:lnSpc>
+              <a:buClr>
+                <a:schemeClr val="bg1"/>
+              </a:buClr>
+            </a:pPr>
+            <a:r>
+              <a:rPr lang="en-SG" sz="1550" dirty="0">
+                <a:solidFill>
+                  <a:schemeClr val="bg1"/>
+                </a:solidFill>
+                <a:latin typeface="Montserrat"/>
+                <a:sym typeface="Montserrat"/>
+              </a:rPr>
+              <a:t>Used </a:t>
+            </a:r>
+            <a:r>
+              <a:rPr lang="en-SG" sz="1550" dirty="0" err="1">
+                <a:solidFill>
+                  <a:schemeClr val="bg1"/>
+                </a:solidFill>
+                <a:latin typeface="Montserrat"/>
+                <a:sym typeface="Montserrat"/>
+              </a:rPr>
+              <a:t>sklearn</a:t>
+            </a:r>
+            <a:r>
+              <a:rPr lang="en-SG" sz="1550" dirty="0">
+                <a:solidFill>
+                  <a:schemeClr val="bg1"/>
+                </a:solidFill>
+                <a:latin typeface="Montserrat"/>
+                <a:sym typeface="Montserrat"/>
+              </a:rPr>
+              <a:t>: </a:t>
+            </a:r>
+            <a:r>
+              <a:rPr lang="en-SG" sz="1550" dirty="0" err="1">
+                <a:solidFill>
+                  <a:schemeClr val="bg1"/>
+                </a:solidFill>
+                <a:latin typeface="Montserrat"/>
+                <a:sym typeface="Montserrat"/>
+              </a:rPr>
+              <a:t>train_test_split</a:t>
+            </a:r>
+            <a:r>
+              <a:rPr lang="en-SG" sz="1550" dirty="0">
+                <a:solidFill>
+                  <a:schemeClr val="bg1"/>
+                </a:solidFill>
+                <a:latin typeface="Montserrat"/>
+                <a:sym typeface="Montserrat"/>
+              </a:rPr>
+              <a:t> function to split</a:t>
+            </a:r>
+          </a:p>
+          <a:p>
+            <a:pPr marL="360000" lvl="1" indent="180000">
+              <a:spcBef>
+                <a:spcPts val="0"/>
+              </a:spcBef>
+              <a:buClr>
+                <a:schemeClr val="bg1"/>
+              </a:buClr>
+            </a:pPr>
+            <a:r>
+              <a:rPr lang="en-SG" sz="1550" dirty="0">
+                <a:solidFill>
+                  <a:schemeClr val="bg1"/>
+                </a:solidFill>
+                <a:latin typeface="Montserrat"/>
+                <a:sym typeface="Montserrat"/>
+              </a:rPr>
+              <a:t>Set seed value</a:t>
+            </a:r>
+          </a:p>
+          <a:p>
+            <a:pPr marL="285750" indent="-180000">
+              <a:lnSpc>
+                <a:spcPct val="100000"/>
+              </a:lnSpc>
+              <a:buClr>
+                <a:schemeClr val="bg1"/>
+              </a:buClr>
+            </a:pPr>
+            <a:r>
+              <a:rPr lang="en-SG" sz="1550" dirty="0">
+                <a:solidFill>
+                  <a:schemeClr val="bg1"/>
+                </a:solidFill>
+                <a:latin typeface="Montserrat"/>
+                <a:sym typeface="Montserrat"/>
+              </a:rPr>
+              <a:t>First: Apply Linear Regression </a:t>
+            </a:r>
+          </a:p>
+          <a:p>
+            <a:pPr marL="285750" indent="-180000">
+              <a:lnSpc>
+                <a:spcPct val="100000"/>
+              </a:lnSpc>
+              <a:buClr>
+                <a:schemeClr val="bg1"/>
+              </a:buClr>
+            </a:pPr>
+            <a:r>
+              <a:rPr lang="en-SG" sz="1550" dirty="0">
+                <a:solidFill>
+                  <a:schemeClr val="bg1"/>
+                </a:solidFill>
+                <a:latin typeface="Montserrat"/>
+                <a:sym typeface="Montserrat"/>
+              </a:rPr>
+              <a:t>Next: Apply Feature Selection</a:t>
+            </a:r>
+          </a:p>
+          <a:p>
+            <a:pPr marL="360000" lvl="1" indent="180000">
+              <a:spcBef>
+                <a:spcPts val="0"/>
+              </a:spcBef>
+              <a:buClr>
+                <a:schemeClr val="bg1"/>
+              </a:buClr>
+            </a:pPr>
+            <a:r>
+              <a:rPr lang="en-SG" sz="1550" dirty="0">
+                <a:solidFill>
+                  <a:schemeClr val="bg1"/>
+                </a:solidFill>
+                <a:latin typeface="Montserrat"/>
+              </a:rPr>
+              <a:t>Stepwise regression</a:t>
+            </a:r>
+          </a:p>
+          <a:p>
+            <a:pPr marL="817200" lvl="2" indent="180000">
+              <a:spcBef>
+                <a:spcPts val="0"/>
+              </a:spcBef>
+              <a:buClr>
+                <a:schemeClr val="bg1"/>
+              </a:buClr>
+            </a:pPr>
+            <a:r>
+              <a:rPr lang="en-SG" sz="1550" dirty="0">
+                <a:solidFill>
+                  <a:schemeClr val="bg1"/>
+                </a:solidFill>
+                <a:latin typeface="Montserrat"/>
+              </a:rPr>
+              <a:t>Perform forward-backward feature selection based on p-value from </a:t>
+            </a:r>
+            <a:r>
+              <a:rPr lang="en-SG" sz="1550" dirty="0" err="1">
+                <a:solidFill>
+                  <a:schemeClr val="bg1"/>
+                </a:solidFill>
+                <a:latin typeface="Montserrat"/>
+              </a:rPr>
+              <a:t>statsmodels.api.OLS</a:t>
+            </a:r>
+            <a:endParaRPr lang="en-SG" sz="1550" dirty="0">
+              <a:solidFill>
+                <a:schemeClr val="bg1"/>
+              </a:solidFill>
+              <a:latin typeface="Montserrat"/>
+            </a:endParaRPr>
+          </a:p>
+          <a:p>
+            <a:pPr marL="817200" lvl="2" indent="180000">
+              <a:spcBef>
+                <a:spcPts val="0"/>
+              </a:spcBef>
+              <a:buClr>
+                <a:schemeClr val="bg1"/>
+              </a:buClr>
+            </a:pPr>
+            <a:r>
+              <a:rPr lang="en-SG" sz="1550" dirty="0">
+                <a:solidFill>
+                  <a:schemeClr val="bg1"/>
+                </a:solidFill>
+                <a:latin typeface="Montserrat"/>
+              </a:rPr>
+              <a:t>8 features -&gt; perform linear regression again</a:t>
+            </a:r>
+          </a:p>
+          <a:p>
+            <a:pPr marL="360000" lvl="1" indent="180000">
+              <a:spcBef>
+                <a:spcPts val="0"/>
+              </a:spcBef>
+              <a:buClr>
+                <a:schemeClr val="bg1"/>
+              </a:buClr>
+            </a:pPr>
+            <a:r>
+              <a:rPr lang="en-SG" sz="1550" dirty="0">
+                <a:solidFill>
+                  <a:schemeClr val="bg1"/>
+                </a:solidFill>
+                <a:latin typeface="Montserrat"/>
+              </a:rPr>
+              <a:t>Lasso Regression</a:t>
+            </a:r>
+          </a:p>
+          <a:p>
+            <a:pPr marL="817200" lvl="2" indent="180000">
+              <a:spcBef>
+                <a:spcPts val="0"/>
+              </a:spcBef>
+              <a:buClr>
+                <a:schemeClr val="bg1"/>
+              </a:buClr>
+            </a:pPr>
+            <a:r>
+              <a:rPr lang="en-SG" sz="1550" dirty="0">
+                <a:solidFill>
+                  <a:schemeClr val="bg1"/>
+                </a:solidFill>
+                <a:latin typeface="Montserrat"/>
+              </a:rPr>
+              <a:t>Main hyperparameter: regularization factor </a:t>
+            </a:r>
+            <a:r>
+              <a:rPr lang="el-GR" sz="1550" dirty="0">
+                <a:solidFill>
+                  <a:schemeClr val="bg1"/>
+                </a:solidFill>
+              </a:rPr>
+              <a:t>α</a:t>
+            </a:r>
+            <a:endParaRPr lang="en-SG" sz="1550" dirty="0">
+              <a:solidFill>
+                <a:schemeClr val="bg1"/>
+              </a:solidFill>
+              <a:latin typeface="Montserrat"/>
+            </a:endParaRPr>
+          </a:p>
+          <a:p>
+            <a:pPr marL="817200" lvl="2" indent="180000">
+              <a:spcBef>
+                <a:spcPts val="0"/>
+              </a:spcBef>
+              <a:buClr>
+                <a:schemeClr val="bg1"/>
+              </a:buClr>
+            </a:pPr>
+            <a:r>
+              <a:rPr lang="en-SG" sz="1550" dirty="0">
+                <a:solidFill>
+                  <a:schemeClr val="bg1"/>
+                </a:solidFill>
+                <a:latin typeface="Montserrat"/>
+              </a:rPr>
+              <a:t>Use </a:t>
+            </a:r>
+            <a:r>
+              <a:rPr lang="en-SG" sz="1550" dirty="0" err="1">
+                <a:solidFill>
+                  <a:schemeClr val="bg1"/>
+                </a:solidFill>
+                <a:latin typeface="Montserrat"/>
+              </a:rPr>
+              <a:t>GridSearchCV</a:t>
+            </a:r>
+            <a:r>
+              <a:rPr lang="en-SG" sz="1550" dirty="0">
+                <a:solidFill>
+                  <a:schemeClr val="bg1"/>
+                </a:solidFill>
+                <a:latin typeface="Montserrat"/>
+              </a:rPr>
+              <a:t> to find </a:t>
+            </a:r>
+            <a:r>
+              <a:rPr lang="en-SG" sz="1550" dirty="0" err="1">
+                <a:solidFill>
+                  <a:schemeClr val="bg1"/>
+                </a:solidFill>
+                <a:latin typeface="Montserrat"/>
+              </a:rPr>
+              <a:t>optimial</a:t>
+            </a:r>
+            <a:r>
+              <a:rPr lang="en-SG" sz="1550" dirty="0">
+                <a:solidFill>
+                  <a:schemeClr val="bg1"/>
+                </a:solidFill>
+                <a:latin typeface="Montserrat"/>
+              </a:rPr>
+              <a:t> </a:t>
+            </a:r>
+            <a:r>
+              <a:rPr lang="el-GR" sz="1550" dirty="0">
+                <a:solidFill>
+                  <a:schemeClr val="bg1"/>
+                </a:solidFill>
+              </a:rPr>
+              <a:t>α</a:t>
+            </a:r>
+            <a:r>
+              <a:rPr lang="en-SG" sz="1550" dirty="0">
+                <a:solidFill>
+                  <a:schemeClr val="bg1"/>
+                </a:solidFill>
+                <a:latin typeface="Montserrat"/>
+              </a:rPr>
+              <a:t> (0.001)</a:t>
+            </a:r>
+          </a:p>
+          <a:p>
+            <a:pPr marL="817200" lvl="2" indent="180000">
+              <a:spcBef>
+                <a:spcPts val="0"/>
+              </a:spcBef>
+              <a:buClr>
+                <a:schemeClr val="bg1"/>
+              </a:buClr>
+            </a:pPr>
+            <a:r>
+              <a:rPr lang="en-SG" sz="1550" dirty="0">
+                <a:solidFill>
+                  <a:schemeClr val="bg1"/>
+                </a:solidFill>
+                <a:latin typeface="Montserrat"/>
+              </a:rPr>
+              <a:t>Remove features with zero coefficient (‘AGE’)</a:t>
+            </a:r>
+          </a:p>
+          <a:p>
+            <a:pPr marL="817200" lvl="2" indent="180000">
+              <a:spcBef>
+                <a:spcPts val="0"/>
+              </a:spcBef>
+              <a:buClr>
+                <a:schemeClr val="bg1"/>
+              </a:buClr>
+            </a:pPr>
+            <a:r>
+              <a:rPr lang="en-SG" sz="1550" dirty="0">
+                <a:solidFill>
+                  <a:schemeClr val="bg1"/>
+                </a:solidFill>
+                <a:latin typeface="Montserrat"/>
+              </a:rPr>
+              <a:t>12 features -&gt; perform linear regression again</a:t>
+            </a:r>
+          </a:p>
+          <a:p>
+            <a:pPr marL="285750" indent="-285750">
+              <a:buClr>
+                <a:schemeClr val="bg1"/>
+              </a:buClr>
+            </a:pPr>
+            <a:endParaRPr lang="en-SG" sz="1700" dirty="0">
+              <a:solidFill>
+                <a:schemeClr val="bg1"/>
+              </a:solidFill>
+              <a:latin typeface="Montserrat"/>
+              <a:sym typeface="Montserrat"/>
+            </a:endParaRPr>
+          </a:p>
+          <a:p>
+            <a:pPr marL="285750" lvl="2" indent="-285750">
+              <a:buClr>
+                <a:schemeClr val="bg1"/>
+              </a:buClr>
+              <a:buFont typeface="Arial" panose="020B0604020202020204" pitchFamily="34" charset="0"/>
+              <a:buChar char="•"/>
+            </a:pPr>
+            <a:endParaRPr lang="en-SG" sz="1800" dirty="0">
+              <a:solidFill>
+                <a:schemeClr val="bg1"/>
+              </a:solidFill>
+              <a:latin typeface="Montserrat"/>
+              <a:sym typeface="Montserrat"/>
+            </a:endParaRPr>
+          </a:p>
+          <a:p>
+            <a:pPr marL="285750" lvl="2" indent="-285750">
+              <a:buClr>
+                <a:schemeClr val="bg1"/>
+              </a:buClr>
+              <a:buFont typeface="Arial" panose="020B0604020202020204" pitchFamily="34" charset="0"/>
+              <a:buChar char="•"/>
+            </a:pPr>
+            <a:endParaRPr lang="en-SG" sz="1800" dirty="0">
+              <a:solidFill>
+                <a:schemeClr val="bg1"/>
+              </a:solidFill>
+              <a:latin typeface="Montserrat"/>
+              <a:sym typeface="Montserrat"/>
+            </a:endParaRPr>
+          </a:p>
+          <a:p>
+            <a:pPr>
+              <a:buClr>
+                <a:schemeClr val="bg1"/>
+              </a:buClr>
+            </a:pPr>
+            <a:endParaRPr lang="en-SG" sz="1800" dirty="0">
+              <a:solidFill>
+                <a:schemeClr val="bg1"/>
+              </a:solidFill>
+            </a:endParaRPr>
+          </a:p>
+          <a:p>
+            <a:pPr marL="285750" indent="-285750">
+              <a:buClr>
+                <a:schemeClr val="bg1"/>
+              </a:buClr>
+              <a:buFont typeface="Arial" panose="020B0604020202020204" pitchFamily="34" charset="0"/>
+              <a:buChar char="•"/>
+            </a:pPr>
+            <a:endParaRPr lang="en-SG" sz="1800" dirty="0">
+              <a:solidFill>
+                <a:schemeClr val="bg1"/>
+              </a:solidFill>
+              <a:latin typeface="Montserrat" panose="020B0604020202020204" charset="0"/>
+            </a:endParaRPr>
+          </a:p>
+          <a:p>
+            <a:pPr marL="0" indent="82800">
+              <a:buClr>
+                <a:schemeClr val="bg1"/>
+              </a:buClr>
+            </a:pPr>
+            <a:endParaRPr lang="en-SG" sz="1900" dirty="0">
+              <a:solidFill>
+                <a:schemeClr val="bg1"/>
+              </a:solidFill>
+              <a:latin typeface="Montserrat"/>
+            </a:endParaRPr>
+          </a:p>
+          <a:p>
+            <a:pPr marL="360000" lvl="1" indent="180000">
+              <a:spcBef>
+                <a:spcPts val="0"/>
+              </a:spcBef>
+              <a:buClr>
+                <a:schemeClr val="bg1"/>
+              </a:buClr>
+            </a:pPr>
+            <a:endParaRPr lang="en-SG" sz="1900" dirty="0">
+              <a:solidFill>
+                <a:schemeClr val="bg1"/>
+              </a:solidFill>
+              <a:latin typeface="Montserrat"/>
+            </a:endParaRPr>
+          </a:p>
+          <a:p>
+            <a:pPr marL="285750" indent="-180000">
+              <a:lnSpc>
+                <a:spcPct val="100000"/>
+              </a:lnSpc>
+              <a:buClr>
+                <a:schemeClr val="bg1"/>
+              </a:buClr>
+            </a:pPr>
+            <a:endParaRPr lang="en-SG" sz="1500" dirty="0">
+              <a:solidFill>
+                <a:schemeClr val="bg1"/>
+              </a:solidFill>
+              <a:latin typeface="Montserrat"/>
+            </a:endParaRPr>
+          </a:p>
+          <a:p>
+            <a:pPr marL="540000" lvl="1" indent="180000">
+              <a:spcBef>
+                <a:spcPts val="0"/>
+              </a:spcBef>
+              <a:buClr>
+                <a:schemeClr val="bg1"/>
+              </a:buClr>
+            </a:pPr>
+            <a:endParaRPr lang="en-SG" sz="1700" dirty="0">
+              <a:solidFill>
+                <a:schemeClr val="bg1"/>
+              </a:solidFill>
+              <a:latin typeface="Montserrat"/>
+              <a:sym typeface="Montserrat"/>
+            </a:endParaRPr>
+          </a:p>
+          <a:p>
+            <a:pPr marL="285750" lvl="2" indent="-285750">
+              <a:buClr>
+                <a:schemeClr val="bg1"/>
+              </a:buClr>
+              <a:buFont typeface="Arial" panose="020B0604020202020204" pitchFamily="34" charset="0"/>
+              <a:buChar char="•"/>
+            </a:pPr>
+            <a:endParaRPr lang="en-SG" sz="1800" dirty="0">
+              <a:solidFill>
+                <a:schemeClr val="bg1"/>
+              </a:solidFill>
+              <a:latin typeface="Montserrat"/>
+              <a:sym typeface="Montserrat"/>
+            </a:endParaRPr>
+          </a:p>
+          <a:p>
+            <a:pPr marL="285750" lvl="2" indent="-285750">
+              <a:buClr>
+                <a:schemeClr val="bg1"/>
+              </a:buClr>
+              <a:buFont typeface="Arial" panose="020B0604020202020204" pitchFamily="34" charset="0"/>
+              <a:buChar char="•"/>
+            </a:pPr>
+            <a:endParaRPr lang="en-SG" sz="1800" dirty="0">
+              <a:solidFill>
+                <a:schemeClr val="bg1"/>
+              </a:solidFill>
+              <a:latin typeface="Montserrat"/>
+              <a:sym typeface="Montserrat"/>
+            </a:endParaRPr>
+          </a:p>
+          <a:p>
+            <a:pPr>
+              <a:buClr>
+                <a:schemeClr val="bg1"/>
+              </a:buClr>
+            </a:pPr>
+            <a:endParaRPr lang="en-SG" sz="1800" dirty="0">
+              <a:solidFill>
+                <a:schemeClr val="bg1"/>
+              </a:solidFill>
+            </a:endParaRPr>
+          </a:p>
+          <a:p>
+            <a:pPr marL="285750" indent="-285750">
+              <a:buClr>
+                <a:schemeClr val="bg1"/>
+              </a:buClr>
+              <a:buFont typeface="Arial" panose="020B0604020202020204" pitchFamily="34" charset="0"/>
+              <a:buChar char="•"/>
+            </a:pPr>
+            <a:endParaRPr lang="en-SG" sz="1800" dirty="0">
+              <a:solidFill>
+                <a:schemeClr val="bg1"/>
+              </a:solidFill>
+              <a:latin typeface="Montserrat" panose="020B0604020202020204" charset="0"/>
+            </a:endParaRPr>
+          </a:p>
+          <a:p>
+            <a:endParaRPr lang="en-SG" dirty="0">
+              <a:solidFill>
+                <a:schemeClr val="bg1"/>
+              </a:solidFill>
+            </a:endParaRPr>
+          </a:p>
+        </p:txBody>
+      </p:sp>
+      <p:pic>
+        <p:nvPicPr>
+          <p:cNvPr id="5" name="Picture 4">
+            <a:extLst>
+              <a:ext uri="{FF2B5EF4-FFF2-40B4-BE49-F238E27FC236}">
+                <a16:creationId xmlns:a16="http://schemas.microsoft.com/office/drawing/2014/main" id="{771824C8-BD0E-48C2-A25D-A6F0AE195095}"/>
+              </a:ext>
+            </a:extLst>
+          </p:cNvPr>
+          <p:cNvPicPr>
+            <a:picLocks noChangeAspect="1"/>
+          </p:cNvPicPr>
+          <p:nvPr/>
+        </p:nvPicPr>
+        <p:blipFill>
+          <a:blip r:embed="rId2"/>
+          <a:stretch>
+            <a:fillRect/>
+          </a:stretch>
+        </p:blipFill>
+        <p:spPr>
+          <a:xfrm>
+            <a:off x="5732076" y="2687781"/>
+            <a:ext cx="3026263" cy="2376053"/>
+          </a:xfrm>
+          <a:prstGeom prst="rect">
+            <a:avLst/>
+          </a:prstGeom>
+        </p:spPr>
+      </p:pic>
+      <p:pic>
+        <p:nvPicPr>
+          <p:cNvPr id="7" name="Picture 6">
+            <a:extLst>
+              <a:ext uri="{FF2B5EF4-FFF2-40B4-BE49-F238E27FC236}">
+                <a16:creationId xmlns:a16="http://schemas.microsoft.com/office/drawing/2014/main" id="{8919D250-010C-4DDB-A4F7-A02868020D5C}"/>
+              </a:ext>
+            </a:extLst>
+          </p:cNvPr>
+          <p:cNvPicPr>
+            <a:picLocks noChangeAspect="1"/>
+          </p:cNvPicPr>
+          <p:nvPr/>
+        </p:nvPicPr>
+        <p:blipFill>
+          <a:blip r:embed="rId3"/>
+          <a:stretch>
+            <a:fillRect/>
+          </a:stretch>
+        </p:blipFill>
+        <p:spPr>
+          <a:xfrm>
+            <a:off x="5732076" y="157955"/>
+            <a:ext cx="3026263" cy="2140527"/>
+          </a:xfrm>
+          <a:prstGeom prst="rect">
+            <a:avLst/>
+          </a:prstGeom>
+        </p:spPr>
+      </p:pic>
+    </p:spTree>
+    <p:extLst>
+      <p:ext uri="{BB962C8B-B14F-4D97-AF65-F5344CB8AC3E}">
+        <p14:creationId xmlns:p14="http://schemas.microsoft.com/office/powerpoint/2010/main" val="4164664047"/>
+      </p:ext>
+    </p:extLst>
+  </p:cSld>
+  <p:clrMapOvr>
+    <a:masterClrMapping/>
+  </p:clrMapOvr>
+</p:sld>
+</file>
+
+<file path=ppt/slides/slide8.xml><?xml version="1.0" encoding="utf-8"?>
+<p:sld xmlns:a="http://schemas.openxmlformats.org/drawingml/2006/main" xmlns:r="http://schemas.openxmlformats.org/officeDocument/2006/relationships" xmlns:p="http://schemas.openxmlformats.org/presentationml/2006/main" show="0">
   <p:cSld>
     <p:spTree>
       <p:nvGrpSpPr>
@@ -11569,8 +12362,8 @@
         </p:nvSpPr>
         <p:spPr>
           <a:xfrm>
-            <a:off x="1052550" y="0"/>
-            <a:ext cx="7038900" cy="914100"/>
+            <a:off x="1052550" y="-35443"/>
+            <a:ext cx="7038900" cy="517452"/>
           </a:xfrm>
           <a:prstGeom prst="rect">
             <a:avLst/>
@@ -11611,16 +12404,12 @@
             <a:graphicFrameLocks noGrp="1"/>
           </p:cNvGraphicFramePr>
           <p:nvPr>
-            <p:extLst>
-              <p:ext uri="{D42A27DB-BD31-4B8C-83A1-F6EECF244321}">
-                <p14:modId xmlns:p14="http://schemas.microsoft.com/office/powerpoint/2010/main" val="848485043"/>
-              </p:ext>
-            </p:extLst>
+            <p:extLst/>
           </p:nvPr>
         </p:nvGraphicFramePr>
         <p:xfrm>
-          <a:off x="0" y="539750"/>
-          <a:ext cx="9144000" cy="3985886"/>
+          <a:off x="0" y="1157614"/>
+          <a:ext cx="6528390" cy="3985886"/>
         </p:xfrm>
         <a:graphic>
           <a:graphicData uri="http://schemas.openxmlformats.org/drawingml/2006/table">
@@ -11629,21 +12418,21 @@
                 <a:tableStyleId>{5C22544A-7EE6-4342-B048-85BDC9FD1C3A}</a:tableStyleId>
               </a:tblPr>
               <a:tblGrid>
-                <a:gridCol w="3048000">
+                <a:gridCol w="1687033">
                   <a:extLst>
                     <a:ext uri="{9D8B030D-6E8A-4147-A177-3AD203B41FA5}">
                       <a16:colId xmlns:a16="http://schemas.microsoft.com/office/drawing/2014/main" val="2255993131"/>
                     </a:ext>
                   </a:extLst>
                 </a:gridCol>
-                <a:gridCol w="3048000">
+                <a:gridCol w="2665227">
                   <a:extLst>
                     <a:ext uri="{9D8B030D-6E8A-4147-A177-3AD203B41FA5}">
-                      <a16:colId xmlns:a16="http://schemas.microsoft.com/office/drawing/2014/main" val="3615727474"/>
+                      <a16:colId xmlns:a16="http://schemas.microsoft.com/office/drawing/2014/main" val="2948603468"/>
                     </a:ext>
                   </a:extLst>
                 </a:gridCol>
-                <a:gridCol w="3048000">
+                <a:gridCol w="2176130">
                   <a:extLst>
                     <a:ext uri="{9D8B030D-6E8A-4147-A177-3AD203B41FA5}">
                       <a16:colId xmlns:a16="http://schemas.microsoft.com/office/drawing/2014/main" val="3349984419"/>
@@ -11732,13 +12521,13 @@
                         <a:defRPr/>
                       </a:pPr>
                       <a:r>
-                        <a:rPr lang="en-SG" sz="1800" dirty="0">
+                        <a:rPr lang="en-SG" sz="1600" dirty="0">
                           <a:latin typeface="Montserrat" panose="020B0604020202020204" charset="0"/>
                         </a:rPr>
                         <a:t>Finding R</a:t>
                       </a:r>
                       <a:r>
-                        <a:rPr lang="en-SG" sz="1800" dirty="0">
+                        <a:rPr lang="en-SG" sz="1600" dirty="0">
                           <a:effectLst>
                             <a:outerShdw blurRad="38100" dist="38100" dir="2700000" algn="tl">
                               <a:srgbClr val="000000">
@@ -11751,20 +12540,20 @@
                         <a:t>^</a:t>
                       </a:r>
                       <a:r>
-                        <a:rPr lang="en-SG" sz="1800" dirty="0">
+                        <a:rPr lang="en-SG" sz="1600" dirty="0">
                           <a:effectLst/>
                           <a:latin typeface="Montserrat" panose="020B0604020202020204" charset="0"/>
                         </a:rPr>
                         <a:t>2</a:t>
                       </a:r>
                       <a:r>
-                        <a:rPr lang="en-SG" sz="1800" dirty="0">
+                        <a:rPr lang="en-SG" sz="1600" dirty="0">
                           <a:latin typeface="Montserrat" panose="020B0604020202020204" charset="0"/>
                         </a:rPr>
                         <a:t>, Adjusted R</a:t>
                       </a:r>
                       <a:r>
-                        <a:rPr lang="en-SG" sz="1800" dirty="0">
+                        <a:rPr lang="en-SG" sz="1600" dirty="0">
                           <a:effectLst>
                             <a:outerShdw blurRad="38100" dist="38100" dir="2700000" algn="tl">
                               <a:srgbClr val="000000">
@@ -11777,7 +12566,7 @@
                         <a:t>^</a:t>
                       </a:r>
                       <a:r>
-                        <a:rPr lang="en-SG" sz="1800" dirty="0">
+                        <a:rPr lang="en-SG" sz="1600" dirty="0">
                           <a:effectLst/>
                           <a:latin typeface="Montserrat" panose="020B0604020202020204" charset="0"/>
                         </a:rPr>
@@ -11792,10 +12581,7 @@
                     <a:bodyPr/>
                     <a:lstStyle/>
                     <a:p>
-                      <a:pPr algn="ctr"/>
-                      <a:endParaRPr lang="en-SG" sz="1800" dirty="0">
-                        <a:latin typeface="Montserrat" panose="020B0604020202020204" charset="0"/>
-                      </a:endParaRPr>
+                      <a:endParaRPr lang="en-SG"/>
                     </a:p>
                   </a:txBody>
                   <a:tcPr/>
@@ -11845,7 +12631,7 @@
                         <a:defRPr/>
                       </a:pPr>
                       <a:r>
-                        <a:rPr lang="en-SG" sz="1800" b="0" i="0" u="none" strike="noStrike" cap="none" dirty="0">
+                        <a:rPr lang="en-SG" sz="1600" b="0" i="0" u="none" strike="noStrike" cap="none" dirty="0">
                           <a:solidFill>
                             <a:schemeClr val="dk1"/>
                           </a:solidFill>
@@ -11885,7 +12671,7 @@
                         <a:defRPr/>
                       </a:pPr>
                       <a:r>
-                        <a:rPr lang="en-SG" sz="1800" b="0" i="0" u="none" strike="noStrike" cap="none" dirty="0">
+                        <a:rPr lang="en-SG" sz="1600" b="0" i="0" u="none" strike="noStrike" cap="none" dirty="0">
                           <a:solidFill>
                             <a:schemeClr val="dk1"/>
                           </a:solidFill>
@@ -11897,7 +12683,7 @@
                         <a:t>Uses a forward-backward feature selection based on p-value from </a:t>
                       </a:r>
                       <a:r>
-                        <a:rPr lang="en-SG" sz="1800" b="0" i="0" u="none" strike="noStrike" cap="none" dirty="0" err="1">
+                        <a:rPr lang="en-SG" sz="1600" b="0" i="0" u="none" strike="noStrike" cap="none" dirty="0" err="1">
                           <a:solidFill>
                             <a:schemeClr val="dk1"/>
                           </a:solidFill>
@@ -11909,7 +12695,7 @@
                         <a:t>statsmodels.api.OLS</a:t>
                       </a:r>
                       <a:r>
-                        <a:rPr lang="en-SG" sz="1800" b="0" i="0" u="none" strike="noStrike" cap="none" dirty="0">
+                        <a:rPr lang="en-SG" sz="1600" b="0" i="0" u="none" strike="noStrike" cap="none" dirty="0">
                           <a:solidFill>
                             <a:schemeClr val="dk1"/>
                           </a:solidFill>
@@ -11949,7 +12735,7 @@
                         <a:defRPr/>
                       </a:pPr>
                       <a:r>
-                        <a:rPr lang="en-SG" sz="1800" b="0" i="0" u="none" strike="noStrike" cap="none" dirty="0">
+                        <a:rPr lang="en-SG" sz="1600" b="0" i="0" u="none" strike="noStrike" cap="none" dirty="0">
                           <a:solidFill>
                             <a:schemeClr val="dk1"/>
                           </a:solidFill>
@@ -11977,7 +12763,7 @@
     </p:spTree>
     <p:extLst>
       <p:ext uri="{BB962C8B-B14F-4D97-AF65-F5344CB8AC3E}">
-        <p14:creationId xmlns:p14="http://schemas.microsoft.com/office/powerpoint/2010/main" val="2153975278"/>
+        <p14:creationId xmlns:p14="http://schemas.microsoft.com/office/powerpoint/2010/main" val="2254321842"/>
       </p:ext>
     </p:extLst>
   </p:cSld>
@@ -11987,7 +12773,7 @@
 </p:sld>
 </file>
 
-<file path=ppt/slides/slide8.xml><?xml version="1.0" encoding="utf-8"?>
+<file path=ppt/slides/slide9.xml><?xml version="1.0" encoding="utf-8"?>
 <p:sld xmlns:a="http://schemas.openxmlformats.org/drawingml/2006/main" xmlns:r="http://schemas.openxmlformats.org/officeDocument/2006/relationships" xmlns:p="http://schemas.openxmlformats.org/presentationml/2006/main">
   <p:cSld>
     <p:spTree>
@@ -12555,7 +13341,7 @@
                 <a:ea typeface="+mn-ea"/>
                 <a:cs typeface="+mn-cs"/>
               </a:rPr>
-              <a:t>Stepwise/Linear &gt;&gt;&gt; Lasso : There is negligible improvement to the performance of the model</a:t>
+              <a:t>Linear &gt;&gt;&gt; Lasso : There is negligible improvement to the performance of the model</a:t>
             </a:r>
           </a:p>
           <a:p>
@@ -12600,143 +13386,6 @@
         <p14:creationId xmlns:p14="http://schemas.microsoft.com/office/powerpoint/2010/main" val="1288490322"/>
       </p:ext>
     </p:extLst>
-  </p:cSld>
-  <p:clrMapOvr>
-    <a:masterClrMapping/>
-  </p:clrMapOvr>
-</p:sld>
-</file>
-
-<file path=ppt/slides/slide9.xml><?xml version="1.0" encoding="utf-8"?>
-<p:sld xmlns:a="http://schemas.openxmlformats.org/drawingml/2006/main" xmlns:r="http://schemas.openxmlformats.org/officeDocument/2006/relationships" xmlns:p="http://schemas.openxmlformats.org/presentationml/2006/main">
-  <p:cSld>
-    <p:spTree>
-      <p:nvGrpSpPr>
-        <p:cNvPr id="1" name="Shape 184"/>
-        <p:cNvGrpSpPr/>
-        <p:nvPr/>
-      </p:nvGrpSpPr>
-      <p:grpSpPr>
-        <a:xfrm>
-          <a:off x="0" y="0"/>
-          <a:ext cx="0" cy="0"/>
-          <a:chOff x="0" y="0"/>
-          <a:chExt cx="0" cy="0"/>
-        </a:xfrm>
-      </p:grpSpPr>
-      <p:sp>
-        <p:nvSpPr>
-          <p:cNvPr id="185" name="Shape 185"/>
-          <p:cNvSpPr txBox="1">
-            <a:spLocks noGrp="1"/>
-          </p:cNvSpPr>
-          <p:nvPr>
-            <p:ph type="title"/>
-          </p:nvPr>
-        </p:nvSpPr>
-        <p:spPr>
-          <a:xfrm>
-            <a:off x="1024834" y="0"/>
-            <a:ext cx="7584231" cy="914100"/>
-          </a:xfrm>
-          <a:prstGeom prst="rect">
-            <a:avLst/>
-          </a:prstGeom>
-        </p:spPr>
-        <p:txBody>
-          <a:bodyPr spcFirstLastPara="1" wrap="square" lIns="91425" tIns="91425" rIns="91425" bIns="91425" anchor="t" anchorCtr="0">
-            <a:noAutofit/>
-          </a:bodyPr>
-          <a:lstStyle/>
-          <a:p>
-            <a:r>
-              <a:rPr lang="en-GB" b="1" dirty="0">
-                <a:solidFill>
-                  <a:srgbClr val="FFFF00"/>
-                </a:solidFill>
-              </a:rPr>
-              <a:t>Step 7: Report results in Python Notebooks</a:t>
-            </a:r>
-            <a:endParaRPr b="1" dirty="0">
-              <a:solidFill>
-                <a:srgbClr val="FFFF00"/>
-              </a:solidFill>
-            </a:endParaRPr>
-          </a:p>
-        </p:txBody>
-      </p:sp>
-      <p:sp>
-        <p:nvSpPr>
-          <p:cNvPr id="186" name="Shape 186"/>
-          <p:cNvSpPr txBox="1">
-            <a:spLocks noGrp="1"/>
-          </p:cNvSpPr>
-          <p:nvPr>
-            <p:ph type="body" idx="1"/>
-          </p:nvPr>
-        </p:nvSpPr>
-        <p:spPr>
-          <a:xfrm>
-            <a:off x="6500037" y="983167"/>
-            <a:ext cx="2495107" cy="604628"/>
-          </a:xfrm>
-          <a:prstGeom prst="rect">
-            <a:avLst/>
-          </a:prstGeom>
-        </p:spPr>
-        <p:txBody>
-          <a:bodyPr spcFirstLastPara="1" wrap="square" lIns="91425" tIns="91425" rIns="91425" bIns="91425" anchor="t" anchorCtr="0">
-            <a:noAutofit/>
-          </a:bodyPr>
-          <a:lstStyle/>
-          <a:p>
-            <a:pPr marL="0" lvl="0" indent="0">
-              <a:spcAft>
-                <a:spcPts val="1600"/>
-              </a:spcAft>
-              <a:buNone/>
-            </a:pPr>
-            <a:r>
-              <a:rPr lang="en-SG" dirty="0">
-                <a:hlinkClick r:id="rId3"/>
-              </a:rPr>
-              <a:t>https://github.com/ZacOPunky/CE9010_2018</a:t>
-            </a:r>
-            <a:endParaRPr dirty="0"/>
-          </a:p>
-        </p:txBody>
-      </p:sp>
-      <p:pic>
-        <p:nvPicPr>
-          <p:cNvPr id="3" name="Picture 2">
-            <a:extLst>
-              <a:ext uri="{FF2B5EF4-FFF2-40B4-BE49-F238E27FC236}">
-                <a16:creationId xmlns:a16="http://schemas.microsoft.com/office/drawing/2014/main" id="{CD35409F-1999-4430-AC30-15B682E7DB0A}"/>
-              </a:ext>
-            </a:extLst>
-          </p:cNvPr>
-          <p:cNvPicPr>
-            <a:picLocks noChangeAspect="1"/>
-          </p:cNvPicPr>
-          <p:nvPr/>
-        </p:nvPicPr>
-        <p:blipFill>
-          <a:blip r:embed="rId4"/>
-          <a:stretch>
-            <a:fillRect/>
-          </a:stretch>
-        </p:blipFill>
-        <p:spPr>
-          <a:xfrm>
-            <a:off x="0" y="457050"/>
-            <a:ext cx="6351181" cy="4254600"/>
-          </a:xfrm>
-          <a:prstGeom prst="rect">
-            <a:avLst/>
-          </a:prstGeom>
-        </p:spPr>
-      </p:pic>
-    </p:spTree>
   </p:cSld>
   <p:clrMapOvr>
     <a:masterClrMapping/>
